--- a/docs/cards-microsoft-attributed.pptx
+++ b/docs/cards-microsoft-attributed.pptx
@@ -302,7 +302,7 @@
           <a:p>
             <a:fld id="{13A3C7A8-0E25-46D2-AE7D-FD2EEA8920C1}" type="datetimeFigureOut">
               <a:rPr lang="de-DE" smtClean="0"/>
-              <a:t>12.12.2016</a:t>
+              <a:t>13.12.2016</a:t>
             </a:fld>
             <a:endParaRPr lang="de-DE"/>
           </a:p>
@@ -472,7 +472,7 @@
           <a:p>
             <a:fld id="{13A3C7A8-0E25-46D2-AE7D-FD2EEA8920C1}" type="datetimeFigureOut">
               <a:rPr lang="de-DE" smtClean="0"/>
-              <a:t>12.12.2016</a:t>
+              <a:t>13.12.2016</a:t>
             </a:fld>
             <a:endParaRPr lang="de-DE"/>
           </a:p>
@@ -652,7 +652,7 @@
           <a:p>
             <a:fld id="{13A3C7A8-0E25-46D2-AE7D-FD2EEA8920C1}" type="datetimeFigureOut">
               <a:rPr lang="de-DE" smtClean="0"/>
-              <a:t>12.12.2016</a:t>
+              <a:t>13.12.2016</a:t>
             </a:fld>
             <a:endParaRPr lang="de-DE"/>
           </a:p>
@@ -822,7 +822,7 @@
           <a:p>
             <a:fld id="{13A3C7A8-0E25-46D2-AE7D-FD2EEA8920C1}" type="datetimeFigureOut">
               <a:rPr lang="de-DE" smtClean="0"/>
-              <a:t>12.12.2016</a:t>
+              <a:t>13.12.2016</a:t>
             </a:fld>
             <a:endParaRPr lang="de-DE"/>
           </a:p>
@@ -1066,7 +1066,7 @@
           <a:p>
             <a:fld id="{13A3C7A8-0E25-46D2-AE7D-FD2EEA8920C1}" type="datetimeFigureOut">
               <a:rPr lang="de-DE" smtClean="0"/>
-              <a:t>12.12.2016</a:t>
+              <a:t>13.12.2016</a:t>
             </a:fld>
             <a:endParaRPr lang="de-DE"/>
           </a:p>
@@ -1298,7 +1298,7 @@
           <a:p>
             <a:fld id="{13A3C7A8-0E25-46D2-AE7D-FD2EEA8920C1}" type="datetimeFigureOut">
               <a:rPr lang="de-DE" smtClean="0"/>
-              <a:t>12.12.2016</a:t>
+              <a:t>13.12.2016</a:t>
             </a:fld>
             <a:endParaRPr lang="de-DE"/>
           </a:p>
@@ -1665,7 +1665,7 @@
           <a:p>
             <a:fld id="{13A3C7A8-0E25-46D2-AE7D-FD2EEA8920C1}" type="datetimeFigureOut">
               <a:rPr lang="de-DE" smtClean="0"/>
-              <a:t>12.12.2016</a:t>
+              <a:t>13.12.2016</a:t>
             </a:fld>
             <a:endParaRPr lang="de-DE"/>
           </a:p>
@@ -1783,7 +1783,7 @@
           <a:p>
             <a:fld id="{13A3C7A8-0E25-46D2-AE7D-FD2EEA8920C1}" type="datetimeFigureOut">
               <a:rPr lang="de-DE" smtClean="0"/>
-              <a:t>12.12.2016</a:t>
+              <a:t>13.12.2016</a:t>
             </a:fld>
             <a:endParaRPr lang="de-DE"/>
           </a:p>
@@ -1878,7 +1878,7 @@
           <a:p>
             <a:fld id="{13A3C7A8-0E25-46D2-AE7D-FD2EEA8920C1}" type="datetimeFigureOut">
               <a:rPr lang="de-DE" smtClean="0"/>
-              <a:t>12.12.2016</a:t>
+              <a:t>13.12.2016</a:t>
             </a:fld>
             <a:endParaRPr lang="de-DE"/>
           </a:p>
@@ -2155,7 +2155,7 @@
           <a:p>
             <a:fld id="{13A3C7A8-0E25-46D2-AE7D-FD2EEA8920C1}" type="datetimeFigureOut">
               <a:rPr lang="de-DE" smtClean="0"/>
-              <a:t>12.12.2016</a:t>
+              <a:t>13.12.2016</a:t>
             </a:fld>
             <a:endParaRPr lang="de-DE"/>
           </a:p>
@@ -2412,7 +2412,7 @@
           <a:p>
             <a:fld id="{13A3C7A8-0E25-46D2-AE7D-FD2EEA8920C1}" type="datetimeFigureOut">
               <a:rPr lang="de-DE" smtClean="0"/>
-              <a:t>12.12.2016</a:t>
+              <a:t>13.12.2016</a:t>
             </a:fld>
             <a:endParaRPr lang="de-DE"/>
           </a:p>
@@ -2625,7 +2625,7 @@
           <a:p>
             <a:fld id="{13A3C7A8-0E25-46D2-AE7D-FD2EEA8920C1}" type="datetimeFigureOut">
               <a:rPr lang="de-DE" smtClean="0"/>
-              <a:t>12.12.2016</a:t>
+              <a:t>13.12.2016</a:t>
             </a:fld>
             <a:endParaRPr lang="de-DE"/>
           </a:p>
